--- a/[HoangHuyHoang_16020131]Fuzzy Logic.pptx
+++ b/[HoangHuyHoang_16020131]Fuzzy Logic.pptx
@@ -854,7 +854,7 @@
           <a:p>
             <a:fld id="{0F25F527-7DAF-4D21-95DC-E45EF3D34C03}" type="datetimeFigureOut">
               <a:rPr lang="en-US" smtClean="0"/>
-              <a:t>03-Dec-19</a:t>
+              <a:t>16-Apr-20</a:t>
             </a:fld>
             <a:endParaRPr lang="en-US"/>
           </a:p>
@@ -1105,7 +1105,7 @@
           <a:p>
             <a:fld id="{0F25F527-7DAF-4D21-95DC-E45EF3D34C03}" type="datetimeFigureOut">
               <a:rPr lang="en-US" smtClean="0"/>
-              <a:t>03-Dec-19</a:t>
+              <a:t>16-Apr-20</a:t>
             </a:fld>
             <a:endParaRPr lang="en-US"/>
           </a:p>
@@ -1419,7 +1419,7 @@
           <a:p>
             <a:fld id="{0F25F527-7DAF-4D21-95DC-E45EF3D34C03}" type="datetimeFigureOut">
               <a:rPr lang="en-US" smtClean="0"/>
-              <a:t>03-Dec-19</a:t>
+              <a:t>16-Apr-20</a:t>
             </a:fld>
             <a:endParaRPr lang="en-US"/>
           </a:p>
@@ -1760,7 +1760,7 @@
           <a:p>
             <a:fld id="{0F25F527-7DAF-4D21-95DC-E45EF3D34C03}" type="datetimeFigureOut">
               <a:rPr lang="en-US" smtClean="0"/>
-              <a:t>03-Dec-19</a:t>
+              <a:t>16-Apr-20</a:t>
             </a:fld>
             <a:endParaRPr lang="en-US"/>
           </a:p>
@@ -2074,7 +2074,7 @@
           <a:p>
             <a:fld id="{0F25F527-7DAF-4D21-95DC-E45EF3D34C03}" type="datetimeFigureOut">
               <a:rPr lang="en-US" smtClean="0"/>
-              <a:t>03-Dec-19</a:t>
+              <a:t>16-Apr-20</a:t>
             </a:fld>
             <a:endParaRPr lang="en-US"/>
           </a:p>
@@ -2467,7 +2467,7 @@
           <a:p>
             <a:fld id="{0F25F527-7DAF-4D21-95DC-E45EF3D34C03}" type="datetimeFigureOut">
               <a:rPr lang="en-US" smtClean="0"/>
-              <a:t>03-Dec-19</a:t>
+              <a:t>16-Apr-20</a:t>
             </a:fld>
             <a:endParaRPr lang="en-US"/>
           </a:p>
@@ -2637,7 +2637,7 @@
           <a:p>
             <a:fld id="{0F25F527-7DAF-4D21-95DC-E45EF3D34C03}" type="datetimeFigureOut">
               <a:rPr lang="en-US" smtClean="0"/>
-              <a:t>03-Dec-19</a:t>
+              <a:t>16-Apr-20</a:t>
             </a:fld>
             <a:endParaRPr lang="en-US"/>
           </a:p>
@@ -2817,7 +2817,7 @@
           <a:p>
             <a:fld id="{0F25F527-7DAF-4D21-95DC-E45EF3D34C03}" type="datetimeFigureOut">
               <a:rPr lang="en-US" smtClean="0"/>
-              <a:t>03-Dec-19</a:t>
+              <a:t>16-Apr-20</a:t>
             </a:fld>
             <a:endParaRPr lang="en-US"/>
           </a:p>
@@ -2993,7 +2993,7 @@
           <a:p>
             <a:fld id="{0F25F527-7DAF-4D21-95DC-E45EF3D34C03}" type="datetimeFigureOut">
               <a:rPr lang="en-US" smtClean="0"/>
-              <a:t>03-Dec-19</a:t>
+              <a:t>16-Apr-20</a:t>
             </a:fld>
             <a:endParaRPr lang="en-US"/>
           </a:p>
@@ -3240,7 +3240,7 @@
           <a:p>
             <a:fld id="{0F25F527-7DAF-4D21-95DC-E45EF3D34C03}" type="datetimeFigureOut">
               <a:rPr lang="en-US" smtClean="0"/>
-              <a:t>03-Dec-19</a:t>
+              <a:t>16-Apr-20</a:t>
             </a:fld>
             <a:endParaRPr lang="en-US"/>
           </a:p>
@@ -3472,7 +3472,7 @@
           <a:p>
             <a:fld id="{0F25F527-7DAF-4D21-95DC-E45EF3D34C03}" type="datetimeFigureOut">
               <a:rPr lang="en-US" smtClean="0"/>
-              <a:t>03-Dec-19</a:t>
+              <a:t>16-Apr-20</a:t>
             </a:fld>
             <a:endParaRPr lang="en-US"/>
           </a:p>
@@ -3846,7 +3846,7 @@
           <a:p>
             <a:fld id="{0F25F527-7DAF-4D21-95DC-E45EF3D34C03}" type="datetimeFigureOut">
               <a:rPr lang="en-US" smtClean="0"/>
-              <a:t>03-Dec-19</a:t>
+              <a:t>16-Apr-20</a:t>
             </a:fld>
             <a:endParaRPr lang="en-US"/>
           </a:p>
@@ -3969,7 +3969,7 @@
           <a:p>
             <a:fld id="{0F25F527-7DAF-4D21-95DC-E45EF3D34C03}" type="datetimeFigureOut">
               <a:rPr lang="en-US" smtClean="0"/>
-              <a:t>03-Dec-19</a:t>
+              <a:t>16-Apr-20</a:t>
             </a:fld>
             <a:endParaRPr lang="en-US"/>
           </a:p>
@@ -4064,7 +4064,7 @@
           <a:p>
             <a:fld id="{0F25F527-7DAF-4D21-95DC-E45EF3D34C03}" type="datetimeFigureOut">
               <a:rPr lang="en-US" smtClean="0"/>
-              <a:t>03-Dec-19</a:t>
+              <a:t>16-Apr-20</a:t>
             </a:fld>
             <a:endParaRPr lang="en-US"/>
           </a:p>
@@ -4319,7 +4319,7 @@
           <a:p>
             <a:fld id="{0F25F527-7DAF-4D21-95DC-E45EF3D34C03}" type="datetimeFigureOut">
               <a:rPr lang="en-US" smtClean="0"/>
-              <a:t>03-Dec-19</a:t>
+              <a:t>16-Apr-20</a:t>
             </a:fld>
             <a:endParaRPr lang="en-US"/>
           </a:p>
@@ -4582,7 +4582,7 @@
           <a:p>
             <a:fld id="{0F25F527-7DAF-4D21-95DC-E45EF3D34C03}" type="datetimeFigureOut">
               <a:rPr lang="en-US" smtClean="0"/>
-              <a:t>03-Dec-19</a:t>
+              <a:t>16-Apr-20</a:t>
             </a:fld>
             <a:endParaRPr lang="en-US"/>
           </a:p>
@@ -5325,7 +5325,7 @@
           <a:p>
             <a:fld id="{0F25F527-7DAF-4D21-95DC-E45EF3D34C03}" type="datetimeFigureOut">
               <a:rPr lang="en-US" smtClean="0"/>
-              <a:t>03-Dec-19</a:t>
+              <a:t>16-Apr-20</a:t>
             </a:fld>
             <a:endParaRPr lang="en-US"/>
           </a:p>
@@ -12367,14 +12367,14 @@
           <p:nvPr>
             <p:extLst>
               <p:ext uri="{D42A27DB-BD31-4B8C-83A1-F6EECF244321}">
-                <p14:modId xmlns:p14="http://schemas.microsoft.com/office/powerpoint/2010/main" val="3074320190"/>
+                <p14:modId xmlns:p14="http://schemas.microsoft.com/office/powerpoint/2010/main" val="1593561173"/>
               </p:ext>
             </p:extLst>
           </p:nvPr>
         </p:nvGraphicFramePr>
         <p:xfrm>
           <a:off x="4838700" y="2274353"/>
-          <a:ext cx="4464957" cy="3757044"/>
+          <a:ext cx="4464957" cy="3043227"/>
         </p:xfrm>
         <a:graphic>
           <a:graphicData uri="http://schemas.openxmlformats.org/drawingml/2006/table">
@@ -12413,14 +12413,15 @@
                         </a:spcAft>
                       </a:pPr>
                       <a:r>
-                        <a:rPr lang="en-US" sz="2400" b="1" dirty="0">
+                        <a:rPr lang="en-US" sz="1800" b="1" dirty="0">
                           <a:effectLst/>
+                          <a:latin typeface="+mn-lt"/>
                         </a:rPr>
                         <a:t>CPU</a:t>
                       </a:r>
                       <a:endParaRPr lang="en-US" sz="1800" b="1" dirty="0">
                         <a:effectLst/>
-                        <a:latin typeface="Calibri" panose="020F0502020204030204" pitchFamily="34" charset="0"/>
+                        <a:latin typeface="+mn-lt"/>
                         <a:ea typeface="Calibri" panose="020F0502020204030204" pitchFamily="34" charset="0"/>
                         <a:cs typeface="Times New Roman" panose="02020603050405020304" pitchFamily="18" charset="0"/>
                       </a:endParaRPr>
@@ -12442,12 +12443,12 @@
                         </a:spcAft>
                       </a:pPr>
                       <a:r>
-                        <a:rPr lang="en-US" sz="2400" dirty="0">
+                        <a:rPr lang="en-US" sz="1600" dirty="0">
                           <a:effectLst/>
                         </a:rPr>
                         <a:t>  Atmega328 – 8bit</a:t>
                       </a:r>
-                      <a:endParaRPr lang="en-US" sz="1800" dirty="0">
+                      <a:endParaRPr lang="en-US" sz="1600" dirty="0">
                         <a:effectLst/>
                         <a:latin typeface="Calibri" panose="020F0502020204030204" pitchFamily="34" charset="0"/>
                         <a:ea typeface="Calibri" panose="020F0502020204030204" pitchFamily="34" charset="0"/>
@@ -12478,29 +12479,14 @@
                         </a:spcAft>
                       </a:pPr>
                       <a:r>
-                        <a:rPr lang="en-US" sz="2400" b="1" dirty="0" err="1">
+                        <a:rPr lang="en-US" sz="1800" b="1" dirty="0">
                           <a:effectLst/>
+                          <a:latin typeface="+mn-lt"/>
+                          <a:ea typeface="Calibri" panose="020F0502020204030204" pitchFamily="34" charset="0"/>
+                          <a:cs typeface="Times New Roman" panose="02020603050405020304" pitchFamily="18" charset="0"/>
                         </a:rPr>
-                        <a:t>Tần</a:t>
+                        <a:t>Frequency</a:t>
                       </a:r>
-                      <a:r>
-                        <a:rPr lang="en-US" sz="2400" b="1" dirty="0">
-                          <a:effectLst/>
-                        </a:rPr>
-                        <a:t> </a:t>
-                      </a:r>
-                      <a:r>
-                        <a:rPr lang="en-US" sz="2400" b="1" dirty="0" err="1">
-                          <a:effectLst/>
-                        </a:rPr>
-                        <a:t>số</a:t>
-                      </a:r>
-                      <a:endParaRPr lang="en-US" sz="1800" b="1" dirty="0">
-                        <a:effectLst/>
-                        <a:latin typeface="Calibri" panose="020F0502020204030204" pitchFamily="34" charset="0"/>
-                        <a:ea typeface="Calibri" panose="020F0502020204030204" pitchFamily="34" charset="0"/>
-                        <a:cs typeface="Times New Roman" panose="02020603050405020304" pitchFamily="18" charset="0"/>
-                      </a:endParaRPr>
                     </a:p>
                   </a:txBody>
                   <a:tcPr marL="68580" marR="68580" marT="0" marB="0"/>
@@ -12519,12 +12505,12 @@
                         </a:spcAft>
                       </a:pPr>
                       <a:r>
-                        <a:rPr lang="en-US" sz="2400" dirty="0">
+                        <a:rPr lang="en-US" sz="1600" dirty="0">
                           <a:effectLst/>
                         </a:rPr>
                         <a:t>  16MHz</a:t>
                       </a:r>
-                      <a:endParaRPr lang="en-US" sz="1800" dirty="0">
+                      <a:endParaRPr lang="en-US" sz="1600" dirty="0">
                         <a:effectLst/>
                         <a:latin typeface="Calibri" panose="020F0502020204030204" pitchFamily="34" charset="0"/>
                         <a:ea typeface="Calibri" panose="020F0502020204030204" pitchFamily="34" charset="0"/>
@@ -12555,26 +12541,15 @@
                         </a:spcAft>
                       </a:pPr>
                       <a:r>
-                        <a:rPr lang="en-US" sz="2400" b="1" dirty="0" err="1">
+                        <a:rPr lang="en-US" sz="1800" b="1" dirty="0">
                           <a:effectLst/>
+                          <a:latin typeface="+mn-lt"/>
                         </a:rPr>
-                        <a:t>Điện</a:t>
-                      </a:r>
-                      <a:r>
-                        <a:rPr lang="en-US" sz="2400" b="1" dirty="0">
-                          <a:effectLst/>
-                        </a:rPr>
-                        <a:t> </a:t>
-                      </a:r>
-                      <a:r>
-                        <a:rPr lang="en-US" sz="2400" b="1" dirty="0" err="1">
-                          <a:effectLst/>
-                        </a:rPr>
-                        <a:t>áp</a:t>
+                        <a:t>Operating Voltage</a:t>
                       </a:r>
                       <a:endParaRPr lang="en-US" sz="1800" b="1" dirty="0">
                         <a:effectLst/>
-                        <a:latin typeface="Calibri" panose="020F0502020204030204" pitchFamily="34" charset="0"/>
+                        <a:latin typeface="+mn-lt"/>
                         <a:ea typeface="Calibri" panose="020F0502020204030204" pitchFamily="34" charset="0"/>
                         <a:cs typeface="Times New Roman" panose="02020603050405020304" pitchFamily="18" charset="0"/>
                       </a:endParaRPr>
@@ -12596,12 +12571,12 @@
                         </a:spcAft>
                       </a:pPr>
                       <a:r>
-                        <a:rPr lang="en-US" sz="2400" dirty="0">
+                        <a:rPr lang="en-US" sz="1600" dirty="0">
                           <a:effectLst/>
                         </a:rPr>
                         <a:t>  5V DC</a:t>
                       </a:r>
-                      <a:endParaRPr lang="en-US" sz="1800" dirty="0">
+                      <a:endParaRPr lang="en-US" sz="1600" dirty="0">
                         <a:effectLst/>
                         <a:latin typeface="Calibri" panose="020F0502020204030204" pitchFamily="34" charset="0"/>
                         <a:ea typeface="Calibri" panose="020F0502020204030204" pitchFamily="34" charset="0"/>
@@ -12632,41 +12607,14 @@
                         </a:spcAft>
                       </a:pPr>
                       <a:r>
-                        <a:rPr lang="en-US" sz="2400" b="1" dirty="0" err="1">
+                        <a:rPr lang="en-US" sz="1800" b="1" dirty="0">
                           <a:effectLst/>
+                          <a:latin typeface="+mn-lt"/>
+                          <a:ea typeface="Calibri" panose="020F0502020204030204" pitchFamily="34" charset="0"/>
+                          <a:cs typeface="Times New Roman" panose="02020603050405020304" pitchFamily="18" charset="0"/>
                         </a:rPr>
-                        <a:t>Dòng</a:t>
+                        <a:t>Operating current</a:t>
                       </a:r>
-                      <a:r>
-                        <a:rPr lang="en-US" sz="2400" b="1" dirty="0">
-                          <a:effectLst/>
-                        </a:rPr>
-                        <a:t> </a:t>
-                      </a:r>
-                      <a:r>
-                        <a:rPr lang="en-US" sz="2400" b="1" dirty="0" err="1">
-                          <a:effectLst/>
-                        </a:rPr>
-                        <a:t>tiêu</a:t>
-                      </a:r>
-                      <a:r>
-                        <a:rPr lang="en-US" sz="2400" b="1" dirty="0">
-                          <a:effectLst/>
-                        </a:rPr>
-                        <a:t> </a:t>
-                      </a:r>
-                      <a:r>
-                        <a:rPr lang="en-US" sz="2400" b="1" dirty="0" err="1">
-                          <a:effectLst/>
-                        </a:rPr>
-                        <a:t>thụ</a:t>
-                      </a:r>
-                      <a:endParaRPr lang="en-US" sz="1800" b="1" dirty="0">
-                        <a:effectLst/>
-                        <a:latin typeface="Calibri" panose="020F0502020204030204" pitchFamily="34" charset="0"/>
-                        <a:ea typeface="Calibri" panose="020F0502020204030204" pitchFamily="34" charset="0"/>
-                        <a:cs typeface="Times New Roman" panose="02020603050405020304" pitchFamily="18" charset="0"/>
-                      </a:endParaRPr>
                     </a:p>
                   </a:txBody>
                   <a:tcPr marL="68580" marR="68580" marT="0" marB="0"/>
@@ -12685,12 +12633,12 @@
                         </a:spcAft>
                       </a:pPr>
                       <a:r>
-                        <a:rPr lang="en-US" sz="2400" dirty="0">
+                        <a:rPr lang="en-US" sz="1600" dirty="0">
                           <a:effectLst/>
                         </a:rPr>
                         <a:t>  30mA</a:t>
                       </a:r>
-                      <a:endParaRPr lang="en-US" sz="1800" dirty="0">
+                      <a:endParaRPr lang="en-US" sz="1600" dirty="0">
                         <a:effectLst/>
                         <a:latin typeface="Calibri" panose="020F0502020204030204" pitchFamily="34" charset="0"/>
                         <a:ea typeface="Calibri" panose="020F0502020204030204" pitchFamily="34" charset="0"/>
@@ -12721,26 +12669,15 @@
                         </a:spcAft>
                       </a:pPr>
                       <a:r>
-                        <a:rPr lang="en-US" sz="2400" b="1" dirty="0" err="1">
+                        <a:rPr lang="en-US" sz="1800" b="1" dirty="0">
                           <a:effectLst/>
+                          <a:latin typeface="+mn-lt"/>
                         </a:rPr>
-                        <a:t>Số</a:t>
-                      </a:r>
-                      <a:r>
-                        <a:rPr lang="en-US" sz="2400" b="1" dirty="0">
-                          <a:effectLst/>
-                        </a:rPr>
-                        <a:t> </a:t>
-                      </a:r>
-                      <a:r>
-                        <a:rPr lang="en-US" sz="2400" b="1" dirty="0" err="1">
-                          <a:effectLst/>
-                        </a:rPr>
-                        <a:t>chân</a:t>
+                        <a:t>Pins</a:t>
                       </a:r>
                       <a:endParaRPr lang="en-US" sz="1800" b="1" dirty="0">
                         <a:effectLst/>
-                        <a:latin typeface="Calibri" panose="020F0502020204030204" pitchFamily="34" charset="0"/>
+                        <a:latin typeface="+mn-lt"/>
                         <a:ea typeface="Calibri" panose="020F0502020204030204" pitchFamily="34" charset="0"/>
                         <a:cs typeface="Times New Roman" panose="02020603050405020304" pitchFamily="18" charset="0"/>
                       </a:endParaRPr>
@@ -12762,36 +12699,12 @@
                         </a:spcAft>
                       </a:pPr>
                       <a:r>
-                        <a:rPr lang="en-US" sz="2400" dirty="0">
+                        <a:rPr lang="en-US" sz="1600" dirty="0">
                           <a:effectLst/>
                         </a:rPr>
-                        <a:t>  14 </a:t>
+                        <a:t>  14 digital pins, 6 ADC pins</a:t>
                       </a:r>
-                      <a:r>
-                        <a:rPr lang="en-US" sz="2400" dirty="0" err="1">
-                          <a:effectLst/>
-                        </a:rPr>
-                        <a:t>chân</a:t>
-                      </a:r>
-                      <a:r>
-                        <a:rPr lang="en-US" sz="2400" dirty="0">
-                          <a:effectLst/>
-                        </a:rPr>
-                        <a:t> digital, 6 </a:t>
-                      </a:r>
-                      <a:r>
-                        <a:rPr lang="en-US" sz="2400" dirty="0" err="1">
-                          <a:effectLst/>
-                        </a:rPr>
-                        <a:t>chân</a:t>
-                      </a:r>
-                      <a:r>
-                        <a:rPr lang="en-US" sz="2400" dirty="0">
-                          <a:effectLst/>
-                        </a:rPr>
-                        <a:t> analog</a:t>
-                      </a:r>
-                      <a:endParaRPr lang="en-US" sz="1800" dirty="0">
+                      <a:endParaRPr lang="en-US" sz="1600" dirty="0">
                         <a:effectLst/>
                         <a:latin typeface="Calibri" panose="020F0502020204030204" pitchFamily="34" charset="0"/>
                         <a:ea typeface="Calibri" panose="020F0502020204030204" pitchFamily="34" charset="0"/>
@@ -12822,14 +12735,15 @@
                         </a:spcAft>
                       </a:pPr>
                       <a:r>
-                        <a:rPr lang="en-US" sz="2400" b="1" dirty="0">
+                        <a:rPr lang="en-US" sz="1800" b="1" dirty="0">
                           <a:effectLst/>
+                          <a:latin typeface="+mn-lt"/>
                         </a:rPr>
                         <a:t>SRAM</a:t>
                       </a:r>
                       <a:endParaRPr lang="en-US" sz="1800" b="1" dirty="0">
                         <a:effectLst/>
-                        <a:latin typeface="Calibri" panose="020F0502020204030204" pitchFamily="34" charset="0"/>
+                        <a:latin typeface="+mn-lt"/>
                         <a:ea typeface="Calibri" panose="020F0502020204030204" pitchFamily="34" charset="0"/>
                         <a:cs typeface="Times New Roman" panose="02020603050405020304" pitchFamily="18" charset="0"/>
                       </a:endParaRPr>
@@ -12851,12 +12765,12 @@
                         </a:spcAft>
                       </a:pPr>
                       <a:r>
-                        <a:rPr lang="en-US" sz="2400" dirty="0">
+                        <a:rPr lang="en-US" sz="1600" dirty="0">
                           <a:effectLst/>
                         </a:rPr>
                         <a:t>  2KB</a:t>
                       </a:r>
-                      <a:endParaRPr lang="en-US" sz="1800" dirty="0">
+                      <a:endParaRPr lang="en-US" sz="1600" dirty="0">
                         <a:effectLst/>
                         <a:latin typeface="Calibri" panose="020F0502020204030204" pitchFamily="34" charset="0"/>
                         <a:ea typeface="Calibri" panose="020F0502020204030204" pitchFamily="34" charset="0"/>
@@ -12887,14 +12801,15 @@
                         </a:spcAft>
                       </a:pPr>
                       <a:r>
-                        <a:rPr lang="en-US" sz="2400" b="1" dirty="0">
+                        <a:rPr lang="en-US" sz="1800" b="1" dirty="0">
                           <a:effectLst/>
+                          <a:latin typeface="+mn-lt"/>
                         </a:rPr>
                         <a:t>Flash</a:t>
                       </a:r>
                       <a:endParaRPr lang="en-US" sz="1800" b="1" dirty="0">
                         <a:effectLst/>
-                        <a:latin typeface="Calibri" panose="020F0502020204030204" pitchFamily="34" charset="0"/>
+                        <a:latin typeface="+mn-lt"/>
                         <a:ea typeface="Calibri" panose="020F0502020204030204" pitchFamily="34" charset="0"/>
                         <a:cs typeface="Times New Roman" panose="02020603050405020304" pitchFamily="18" charset="0"/>
                       </a:endParaRPr>
@@ -12916,12 +12831,12 @@
                         </a:spcAft>
                       </a:pPr>
                       <a:r>
-                        <a:rPr lang="en-US" sz="2400" dirty="0">
+                        <a:rPr lang="en-US" sz="1600" dirty="0">
                           <a:effectLst/>
                         </a:rPr>
                         <a:t>  32KB</a:t>
                       </a:r>
-                      <a:endParaRPr lang="en-US" sz="1800" dirty="0">
+                      <a:endParaRPr lang="en-US" sz="1600" dirty="0">
                         <a:effectLst/>
                         <a:latin typeface="Calibri" panose="020F0502020204030204" pitchFamily="34" charset="0"/>
                         <a:ea typeface="Calibri" panose="020F0502020204030204" pitchFamily="34" charset="0"/>
@@ -12952,14 +12867,15 @@
                         </a:spcAft>
                       </a:pPr>
                       <a:r>
-                        <a:rPr lang="en-US" sz="2400" b="1" dirty="0">
+                        <a:rPr lang="en-US" sz="1800" b="1" dirty="0">
                           <a:effectLst/>
+                          <a:latin typeface="+mn-lt"/>
                         </a:rPr>
                         <a:t>EEPROM</a:t>
                       </a:r>
                       <a:endParaRPr lang="en-US" sz="1800" b="1" dirty="0">
                         <a:effectLst/>
-                        <a:latin typeface="Calibri" panose="020F0502020204030204" pitchFamily="34" charset="0"/>
+                        <a:latin typeface="+mn-lt"/>
                         <a:ea typeface="Calibri" panose="020F0502020204030204" pitchFamily="34" charset="0"/>
                         <a:cs typeface="Times New Roman" panose="02020603050405020304" pitchFamily="18" charset="0"/>
                       </a:endParaRPr>
@@ -12981,12 +12897,12 @@
                         </a:spcAft>
                       </a:pPr>
                       <a:r>
-                        <a:rPr lang="en-US" sz="2400" dirty="0">
+                        <a:rPr lang="en-US" sz="1600" dirty="0">
                           <a:effectLst/>
                         </a:rPr>
                         <a:t>  1KB</a:t>
                       </a:r>
-                      <a:endParaRPr lang="en-US" sz="1800" dirty="0">
+                      <a:endParaRPr lang="en-US" sz="1600" dirty="0">
                         <a:effectLst/>
                         <a:latin typeface="Calibri" panose="020F0502020204030204" pitchFamily="34" charset="0"/>
                         <a:ea typeface="Calibri" panose="020F0502020204030204" pitchFamily="34" charset="0"/>
